--- a/docs/SpringCloud-Message.pptx
+++ b/docs/SpringCloud-Message.pptx
@@ -6,6 +6,8 @@
   </p:sldMasterIdLst>
   <p:sldIdLst>
     <p:sldId id="256" r:id="rId2"/>
+    <p:sldId id="257" r:id="rId3"/>
+    <p:sldId id="258" r:id="rId4"/>
   </p:sldIdLst>
   <p:sldSz cx="12192000" cy="6858000"/>
   <p:notesSz cx="6858000" cy="9144000"/>
@@ -104,6 +106,11 @@
       </a:defRPr>
     </a:lvl9pPr>
   </p:defaultTextStyle>
+  <p:extLst>
+    <p:ext uri="{EFAFB233-063F-42B5-8137-9DF3F51BA10A}">
+      <p15:sldGuideLst xmlns:p15="http://schemas.microsoft.com/office/powerpoint/2012/main"/>
+    </p:ext>
+  </p:extLst>
 </p:presentation>
 </file>
 
@@ -3716,6 +3723,840 @@
 </p:sld>
 </file>
 
+<file path=ppt/slides/slide2.xml><?xml version="1.0" encoding="utf-8"?>
+<p:sld xmlns:a="http://schemas.openxmlformats.org/drawingml/2006/main" xmlns:r="http://schemas.openxmlformats.org/officeDocument/2006/relationships" xmlns:p="http://schemas.openxmlformats.org/presentationml/2006/main">
+  <p:cSld>
+    <p:spTree>
+      <p:nvGrpSpPr>
+        <p:cNvPr id="1" name=""/>
+        <p:cNvGrpSpPr/>
+        <p:nvPr/>
+      </p:nvGrpSpPr>
+      <p:grpSpPr>
+        <a:xfrm>
+          <a:off x="0" y="0"/>
+          <a:ext cx="0" cy="0"/>
+          <a:chOff x="0" y="0"/>
+          <a:chExt cx="0" cy="0"/>
+        </a:xfrm>
+      </p:grpSpPr>
+      <p:sp>
+        <p:nvSpPr>
+          <p:cNvPr id="4" name="矩形 3">
+            <a:extLst>
+              <a:ext uri="{FF2B5EF4-FFF2-40B4-BE49-F238E27FC236}">
+                <a16:creationId xmlns:a16="http://schemas.microsoft.com/office/drawing/2014/main" id="{9F8FCFF8-AFF6-4773-8744-375F61052EFF}"/>
+              </a:ext>
+            </a:extLst>
+          </p:cNvPr>
+          <p:cNvSpPr/>
+          <p:nvPr/>
+        </p:nvSpPr>
+        <p:spPr>
+          <a:xfrm>
+            <a:off x="0" y="-34202"/>
+            <a:ext cx="3959738" cy="369332"/>
+          </a:xfrm>
+          <a:prstGeom prst="rect">
+            <a:avLst/>
+          </a:prstGeom>
+        </p:spPr>
+        <p:txBody>
+          <a:bodyPr wrap="none">
+            <a:spAutoFit/>
+          </a:bodyPr>
+          <a:lstStyle/>
+          <a:p>
+            <a:pPr algn="ctr"/>
+            <a:r>
+              <a:rPr lang="en-US" altLang="zh-CN" dirty="0" err="1"/>
+              <a:t>RestTemplate</a:t>
+            </a:r>
+            <a:r>
+              <a:rPr lang="zh-CN" altLang="en-US" dirty="0"/>
+              <a:t>的两种调用方式</a:t>
+            </a:r>
+            <a:r>
+              <a:rPr lang="en-US" altLang="zh-CN" dirty="0"/>
+              <a:t>—</a:t>
+            </a:r>
+            <a:r>
+              <a:rPr lang="zh-CN" altLang="en-US" dirty="0"/>
+              <a:t>方式</a:t>
+            </a:r>
+            <a:r>
+              <a:rPr lang="en-US" altLang="zh-CN" dirty="0"/>
+              <a:t>1</a:t>
+            </a:r>
+            <a:endParaRPr lang="zh-CN" altLang="en-US" dirty="0"/>
+          </a:p>
+        </p:txBody>
+      </p:sp>
+      <p:pic>
+        <p:nvPicPr>
+          <p:cNvPr id="5" name="图片 4">
+            <a:extLst>
+              <a:ext uri="{FF2B5EF4-FFF2-40B4-BE49-F238E27FC236}">
+                <a16:creationId xmlns:a16="http://schemas.microsoft.com/office/drawing/2014/main" id="{2E289C70-6491-4FD7-9AAB-A58149DBA8C2}"/>
+              </a:ext>
+            </a:extLst>
+          </p:cNvPr>
+          <p:cNvPicPr>
+            <a:picLocks noChangeAspect="1"/>
+          </p:cNvPicPr>
+          <p:nvPr/>
+        </p:nvPicPr>
+        <p:blipFill>
+          <a:blip r:embed="rId2"/>
+          <a:stretch>
+            <a:fillRect/>
+          </a:stretch>
+        </p:blipFill>
+        <p:spPr>
+          <a:xfrm>
+            <a:off x="595520" y="794792"/>
+            <a:ext cx="6362700" cy="762000"/>
+          </a:xfrm>
+          <a:prstGeom prst="rect">
+            <a:avLst/>
+          </a:prstGeom>
+        </p:spPr>
+      </p:pic>
+      <p:pic>
+        <p:nvPicPr>
+          <p:cNvPr id="7" name="图片 6">
+            <a:extLst>
+              <a:ext uri="{FF2B5EF4-FFF2-40B4-BE49-F238E27FC236}">
+                <a16:creationId xmlns:a16="http://schemas.microsoft.com/office/drawing/2014/main" id="{D7DEB74C-2164-41FF-BD37-C3991263460E}"/>
+              </a:ext>
+            </a:extLst>
+          </p:cNvPr>
+          <p:cNvPicPr>
+            <a:picLocks noChangeAspect="1"/>
+          </p:cNvPicPr>
+          <p:nvPr/>
+        </p:nvPicPr>
+        <p:blipFill>
+          <a:blip r:embed="rId3"/>
+          <a:stretch>
+            <a:fillRect/>
+          </a:stretch>
+        </p:blipFill>
+        <p:spPr>
+          <a:xfrm>
+            <a:off x="499495" y="1961202"/>
+            <a:ext cx="8058150" cy="2495550"/>
+          </a:xfrm>
+          <a:prstGeom prst="rect">
+            <a:avLst/>
+          </a:prstGeom>
+        </p:spPr>
+      </p:pic>
+      <p:sp>
+        <p:nvSpPr>
+          <p:cNvPr id="8" name="矩形 7">
+            <a:extLst>
+              <a:ext uri="{FF2B5EF4-FFF2-40B4-BE49-F238E27FC236}">
+                <a16:creationId xmlns:a16="http://schemas.microsoft.com/office/drawing/2014/main" id="{10EFA2B4-6476-4F9E-912B-0150BF9CCBA3}"/>
+              </a:ext>
+            </a:extLst>
+          </p:cNvPr>
+          <p:cNvSpPr/>
+          <p:nvPr/>
+        </p:nvSpPr>
+        <p:spPr>
+          <a:xfrm>
+            <a:off x="499495" y="428872"/>
+            <a:ext cx="4195379" cy="369332"/>
+          </a:xfrm>
+          <a:prstGeom prst="rect">
+            <a:avLst/>
+          </a:prstGeom>
+        </p:spPr>
+        <p:txBody>
+          <a:bodyPr wrap="none">
+            <a:spAutoFit/>
+          </a:bodyPr>
+          <a:lstStyle/>
+          <a:p>
+            <a:r>
+              <a:rPr lang="zh-CN" altLang="en-US" dirty="0"/>
+              <a:t>服务器端接收一个</a:t>
+            </a:r>
+            <a:r>
+              <a:rPr lang="en-US" altLang="zh-CN" dirty="0" err="1"/>
+              <a:t>SmsSendRequest</a:t>
+            </a:r>
+            <a:r>
+              <a:rPr lang="zh-CN" altLang="en-US" dirty="0"/>
+              <a:t>参数</a:t>
+            </a:r>
+          </a:p>
+        </p:txBody>
+      </p:sp>
+      <p:sp>
+        <p:nvSpPr>
+          <p:cNvPr id="9" name="矩形 8">
+            <a:extLst>
+              <a:ext uri="{FF2B5EF4-FFF2-40B4-BE49-F238E27FC236}">
+                <a16:creationId xmlns:a16="http://schemas.microsoft.com/office/drawing/2014/main" id="{A5EB26E9-0481-4B15-8F9E-DD9A7B2ACC05}"/>
+              </a:ext>
+            </a:extLst>
+          </p:cNvPr>
+          <p:cNvSpPr/>
+          <p:nvPr/>
+        </p:nvSpPr>
+        <p:spPr>
+          <a:xfrm>
+            <a:off x="499495" y="1574331"/>
+            <a:ext cx="1338828" cy="369332"/>
+          </a:xfrm>
+          <a:prstGeom prst="rect">
+            <a:avLst/>
+          </a:prstGeom>
+        </p:spPr>
+        <p:txBody>
+          <a:bodyPr wrap="none">
+            <a:spAutoFit/>
+          </a:bodyPr>
+          <a:lstStyle/>
+          <a:p>
+            <a:r>
+              <a:rPr lang="zh-CN" altLang="en-US" dirty="0"/>
+              <a:t>客户端调用</a:t>
+            </a:r>
+          </a:p>
+        </p:txBody>
+      </p:sp>
+      <p:pic>
+        <p:nvPicPr>
+          <p:cNvPr id="1025" name="Picture 1" descr="C:\Users\Administrator\AppData\Local\YNote\data\chongzi1266@163.com\b852ab03ba44486a938559d4258f834e\clipboard.png">
+            <a:extLst>
+              <a:ext uri="{FF2B5EF4-FFF2-40B4-BE49-F238E27FC236}">
+                <a16:creationId xmlns:a16="http://schemas.microsoft.com/office/drawing/2014/main" id="{40A439D9-414A-416F-A570-4CD3ACE60641}"/>
+              </a:ext>
+            </a:extLst>
+          </p:cNvPr>
+          <p:cNvPicPr>
+            <a:picLocks noChangeAspect="1" noChangeArrowheads="1"/>
+          </p:cNvPicPr>
+          <p:nvPr/>
+        </p:nvPicPr>
+        <p:blipFill>
+          <a:blip r:embed="rId4">
+            <a:extLst>
+              <a:ext uri="{28A0092B-C50C-407E-A947-70E740481C1C}">
+                <a14:useLocalDpi xmlns:a14="http://schemas.microsoft.com/office/drawing/2010/main" val="0"/>
+              </a:ext>
+            </a:extLst>
+          </a:blip>
+          <a:srcRect/>
+          <a:stretch>
+            <a:fillRect/>
+          </a:stretch>
+        </p:blipFill>
+        <p:spPr bwMode="auto">
+          <a:xfrm>
+            <a:off x="595520" y="1616502"/>
+            <a:ext cx="9848850" cy="5010150"/>
+          </a:xfrm>
+          <a:prstGeom prst="rect">
+            <a:avLst/>
+          </a:prstGeom>
+          <a:noFill/>
+          <a:extLst>
+            <a:ext uri="{909E8E84-426E-40DD-AFC4-6F175D3DCCD1}">
+              <a14:hiddenFill xmlns:a14="http://schemas.microsoft.com/office/drawing/2010/main">
+                <a:solidFill>
+                  <a:srgbClr val="FFFFFF"/>
+                </a:solidFill>
+              </a14:hiddenFill>
+            </a:ext>
+          </a:extLst>
+        </p:spPr>
+      </p:pic>
+      <p:sp>
+        <p:nvSpPr>
+          <p:cNvPr id="11" name="矩形 10">
+            <a:extLst>
+              <a:ext uri="{FF2B5EF4-FFF2-40B4-BE49-F238E27FC236}">
+                <a16:creationId xmlns:a16="http://schemas.microsoft.com/office/drawing/2014/main" id="{2ABCDF4B-DAD4-468C-9C70-BDBEBE3D9115}"/>
+              </a:ext>
+            </a:extLst>
+          </p:cNvPr>
+          <p:cNvSpPr/>
+          <p:nvPr/>
+        </p:nvSpPr>
+        <p:spPr>
+          <a:xfrm>
+            <a:off x="499495" y="4676496"/>
+            <a:ext cx="1510350" cy="369332"/>
+          </a:xfrm>
+          <a:prstGeom prst="rect">
+            <a:avLst/>
+          </a:prstGeom>
+        </p:spPr>
+        <p:txBody>
+          <a:bodyPr wrap="none">
+            <a:spAutoFit/>
+          </a:bodyPr>
+          <a:lstStyle/>
+          <a:p>
+            <a:r>
+              <a:rPr lang="en-US" altLang="zh-CN" dirty="0"/>
+              <a:t>Postman</a:t>
+            </a:r>
+            <a:r>
+              <a:rPr lang="zh-CN" altLang="en-US" dirty="0"/>
+              <a:t>测试</a:t>
+            </a:r>
+          </a:p>
+        </p:txBody>
+      </p:sp>
+    </p:spTree>
+    <p:extLst>
+      <p:ext uri="{BB962C8B-B14F-4D97-AF65-F5344CB8AC3E}">
+        <p14:creationId xmlns:p14="http://schemas.microsoft.com/office/powerpoint/2010/main" val="2051794769"/>
+      </p:ext>
+    </p:extLst>
+  </p:cSld>
+  <p:clrMapOvr>
+    <a:masterClrMapping/>
+  </p:clrMapOvr>
+  <p:timing>
+    <p:tnLst>
+      <p:par>
+        <p:cTn id="1" dur="indefinite" restart="never" nodeType="tmRoot">
+          <p:childTnLst>
+            <p:seq concurrent="1" nextAc="seek">
+              <p:cTn id="2" dur="indefinite" nodeType="mainSeq">
+                <p:childTnLst>
+                  <p:par>
+                    <p:cTn id="3" fill="hold">
+                      <p:stCondLst>
+                        <p:cond delay="indefinite"/>
+                      </p:stCondLst>
+                      <p:childTnLst>
+                        <p:par>
+                          <p:cTn id="4" fill="hold">
+                            <p:stCondLst>
+                              <p:cond delay="0"/>
+                            </p:stCondLst>
+                            <p:childTnLst>
+                              <p:par>
+                                <p:cTn id="5" presetID="1" presetClass="entr" presetSubtype="0" fill="hold" nodeType="clickEffect">
+                                  <p:stCondLst>
+                                    <p:cond delay="0"/>
+                                  </p:stCondLst>
+                                  <p:childTnLst>
+                                    <p:set>
+                                      <p:cBhvr>
+                                        <p:cTn id="6" dur="1" fill="hold">
+                                          <p:stCondLst>
+                                            <p:cond delay="0"/>
+                                          </p:stCondLst>
+                                        </p:cTn>
+                                        <p:tgtEl>
+                                          <p:spTgt spid="1025"/>
+                                        </p:tgtEl>
+                                        <p:attrNameLst>
+                                          <p:attrName>style.visibility</p:attrName>
+                                        </p:attrNameLst>
+                                      </p:cBhvr>
+                                      <p:to>
+                                        <p:strVal val="visible"/>
+                                      </p:to>
+                                    </p:set>
+                                  </p:childTnLst>
+                                </p:cTn>
+                              </p:par>
+                            </p:childTnLst>
+                          </p:cTn>
+                        </p:par>
+                      </p:childTnLst>
+                    </p:cTn>
+                  </p:par>
+                </p:childTnLst>
+              </p:cTn>
+              <p:prevCondLst>
+                <p:cond evt="onPrev" delay="0">
+                  <p:tgtEl>
+                    <p:sldTgt/>
+                  </p:tgtEl>
+                </p:cond>
+              </p:prevCondLst>
+              <p:nextCondLst>
+                <p:cond evt="onNext" delay="0">
+                  <p:tgtEl>
+                    <p:sldTgt/>
+                  </p:tgtEl>
+                </p:cond>
+              </p:nextCondLst>
+            </p:seq>
+          </p:childTnLst>
+        </p:cTn>
+      </p:par>
+    </p:tnLst>
+  </p:timing>
+</p:sld>
+</file>
+
+<file path=ppt/slides/slide3.xml><?xml version="1.0" encoding="utf-8"?>
+<p:sld xmlns:a="http://schemas.openxmlformats.org/drawingml/2006/main" xmlns:r="http://schemas.openxmlformats.org/officeDocument/2006/relationships" xmlns:p="http://schemas.openxmlformats.org/presentationml/2006/main">
+  <p:cSld>
+    <p:spTree>
+      <p:nvGrpSpPr>
+        <p:cNvPr id="1" name=""/>
+        <p:cNvGrpSpPr/>
+        <p:nvPr/>
+      </p:nvGrpSpPr>
+      <p:grpSpPr>
+        <a:xfrm>
+          <a:off x="0" y="0"/>
+          <a:ext cx="0" cy="0"/>
+          <a:chOff x="0" y="0"/>
+          <a:chExt cx="0" cy="0"/>
+        </a:xfrm>
+      </p:grpSpPr>
+      <p:sp>
+        <p:nvSpPr>
+          <p:cNvPr id="4" name="矩形 3">
+            <a:extLst>
+              <a:ext uri="{FF2B5EF4-FFF2-40B4-BE49-F238E27FC236}">
+                <a16:creationId xmlns:a16="http://schemas.microsoft.com/office/drawing/2014/main" id="{9F8FCFF8-AFF6-4773-8744-375F61052EFF}"/>
+              </a:ext>
+            </a:extLst>
+          </p:cNvPr>
+          <p:cNvSpPr/>
+          <p:nvPr/>
+        </p:nvSpPr>
+        <p:spPr>
+          <a:xfrm>
+            <a:off x="154950" y="-6493"/>
+            <a:ext cx="5941050" cy="369332"/>
+          </a:xfrm>
+          <a:prstGeom prst="rect">
+            <a:avLst/>
+          </a:prstGeom>
+        </p:spPr>
+        <p:txBody>
+          <a:bodyPr wrap="none">
+            <a:spAutoFit/>
+          </a:bodyPr>
+          <a:lstStyle/>
+          <a:p>
+            <a:pPr algn="ctr"/>
+            <a:r>
+              <a:rPr lang="en-US" altLang="zh-CN" dirty="0" err="1"/>
+              <a:t>RestTemplate</a:t>
+            </a:r>
+            <a:r>
+              <a:rPr lang="zh-CN" altLang="en-US" dirty="0"/>
+              <a:t>的两种调用方式</a:t>
+            </a:r>
+            <a:r>
+              <a:rPr lang="en-US" altLang="zh-CN" dirty="0"/>
+              <a:t>—</a:t>
+            </a:r>
+            <a:r>
+              <a:rPr lang="zh-CN" altLang="en-US" dirty="0"/>
+              <a:t>方式</a:t>
+            </a:r>
+            <a:r>
+              <a:rPr lang="en-US" altLang="zh-CN" dirty="0"/>
+              <a:t>2</a:t>
+            </a:r>
+            <a:r>
+              <a:rPr lang="zh-CN" altLang="en-US" dirty="0"/>
+              <a:t>使用</a:t>
+            </a:r>
+            <a:r>
+              <a:rPr lang="en-US" altLang="zh-CN" dirty="0"/>
+              <a:t>@</a:t>
+            </a:r>
+            <a:r>
+              <a:rPr lang="en-US" altLang="zh-CN" dirty="0" err="1"/>
+              <a:t>RequestBody</a:t>
+            </a:r>
+            <a:endParaRPr lang="zh-CN" altLang="en-US" dirty="0"/>
+          </a:p>
+        </p:txBody>
+      </p:sp>
+      <p:sp>
+        <p:nvSpPr>
+          <p:cNvPr id="8" name="矩形 7">
+            <a:extLst>
+              <a:ext uri="{FF2B5EF4-FFF2-40B4-BE49-F238E27FC236}">
+                <a16:creationId xmlns:a16="http://schemas.microsoft.com/office/drawing/2014/main" id="{10EFA2B4-6476-4F9E-912B-0150BF9CCBA3}"/>
+              </a:ext>
+            </a:extLst>
+          </p:cNvPr>
+          <p:cNvSpPr/>
+          <p:nvPr/>
+        </p:nvSpPr>
+        <p:spPr>
+          <a:xfrm>
+            <a:off x="499495" y="428872"/>
+            <a:ext cx="4195379" cy="369332"/>
+          </a:xfrm>
+          <a:prstGeom prst="rect">
+            <a:avLst/>
+          </a:prstGeom>
+        </p:spPr>
+        <p:txBody>
+          <a:bodyPr wrap="none">
+            <a:spAutoFit/>
+          </a:bodyPr>
+          <a:lstStyle/>
+          <a:p>
+            <a:r>
+              <a:rPr lang="zh-CN" altLang="en-US" dirty="0"/>
+              <a:t>服务器端接收一个</a:t>
+            </a:r>
+            <a:r>
+              <a:rPr lang="en-US" altLang="zh-CN" dirty="0" err="1"/>
+              <a:t>SmsSendRequest</a:t>
+            </a:r>
+            <a:r>
+              <a:rPr lang="zh-CN" altLang="en-US" dirty="0"/>
+              <a:t>参数</a:t>
+            </a:r>
+          </a:p>
+        </p:txBody>
+      </p:sp>
+      <p:sp>
+        <p:nvSpPr>
+          <p:cNvPr id="9" name="矩形 8">
+            <a:extLst>
+              <a:ext uri="{FF2B5EF4-FFF2-40B4-BE49-F238E27FC236}">
+                <a16:creationId xmlns:a16="http://schemas.microsoft.com/office/drawing/2014/main" id="{A5EB26E9-0481-4B15-8F9E-DD9A7B2ACC05}"/>
+              </a:ext>
+            </a:extLst>
+          </p:cNvPr>
+          <p:cNvSpPr/>
+          <p:nvPr/>
+        </p:nvSpPr>
+        <p:spPr>
+          <a:xfrm>
+            <a:off x="499495" y="1574331"/>
+            <a:ext cx="1338828" cy="369332"/>
+          </a:xfrm>
+          <a:prstGeom prst="rect">
+            <a:avLst/>
+          </a:prstGeom>
+        </p:spPr>
+        <p:txBody>
+          <a:bodyPr wrap="none">
+            <a:spAutoFit/>
+          </a:bodyPr>
+          <a:lstStyle/>
+          <a:p>
+            <a:r>
+              <a:rPr lang="zh-CN" altLang="en-US" dirty="0"/>
+              <a:t>客户端调用</a:t>
+            </a:r>
+          </a:p>
+        </p:txBody>
+      </p:sp>
+      <p:sp>
+        <p:nvSpPr>
+          <p:cNvPr id="11" name="矩形 10">
+            <a:extLst>
+              <a:ext uri="{FF2B5EF4-FFF2-40B4-BE49-F238E27FC236}">
+                <a16:creationId xmlns:a16="http://schemas.microsoft.com/office/drawing/2014/main" id="{2ABCDF4B-DAD4-468C-9C70-BDBEBE3D9115}"/>
+              </a:ext>
+            </a:extLst>
+          </p:cNvPr>
+          <p:cNvSpPr/>
+          <p:nvPr/>
+        </p:nvSpPr>
+        <p:spPr>
+          <a:xfrm>
+            <a:off x="499495" y="4676496"/>
+            <a:ext cx="1510350" cy="369332"/>
+          </a:xfrm>
+          <a:prstGeom prst="rect">
+            <a:avLst/>
+          </a:prstGeom>
+        </p:spPr>
+        <p:txBody>
+          <a:bodyPr wrap="none">
+            <a:spAutoFit/>
+          </a:bodyPr>
+          <a:lstStyle/>
+          <a:p>
+            <a:r>
+              <a:rPr lang="en-US" altLang="zh-CN" dirty="0"/>
+              <a:t>Postman</a:t>
+            </a:r>
+            <a:r>
+              <a:rPr lang="zh-CN" altLang="en-US" dirty="0"/>
+              <a:t>测试</a:t>
+            </a:r>
+          </a:p>
+        </p:txBody>
+      </p:sp>
+      <p:pic>
+        <p:nvPicPr>
+          <p:cNvPr id="2" name="图片 1">
+            <a:extLst>
+              <a:ext uri="{FF2B5EF4-FFF2-40B4-BE49-F238E27FC236}">
+                <a16:creationId xmlns:a16="http://schemas.microsoft.com/office/drawing/2014/main" id="{F02F937B-4B37-4C4F-A8E9-ED20C1C95648}"/>
+              </a:ext>
+            </a:extLst>
+          </p:cNvPr>
+          <p:cNvPicPr>
+            <a:picLocks noChangeAspect="1"/>
+          </p:cNvPicPr>
+          <p:nvPr/>
+        </p:nvPicPr>
+        <p:blipFill>
+          <a:blip r:embed="rId2"/>
+          <a:stretch>
+            <a:fillRect/>
+          </a:stretch>
+        </p:blipFill>
+        <p:spPr>
+          <a:xfrm>
+            <a:off x="595520" y="725580"/>
+            <a:ext cx="6172200" cy="781050"/>
+          </a:xfrm>
+          <a:prstGeom prst="rect">
+            <a:avLst/>
+          </a:prstGeom>
+        </p:spPr>
+      </p:pic>
+      <p:pic>
+        <p:nvPicPr>
+          <p:cNvPr id="3" name="图片 2">
+            <a:extLst>
+              <a:ext uri="{FF2B5EF4-FFF2-40B4-BE49-F238E27FC236}">
+                <a16:creationId xmlns:a16="http://schemas.microsoft.com/office/drawing/2014/main" id="{5A66CE4A-50F4-4E80-91B2-9BD8EB261EEC}"/>
+              </a:ext>
+            </a:extLst>
+          </p:cNvPr>
+          <p:cNvPicPr>
+            <a:picLocks noChangeAspect="1"/>
+          </p:cNvPicPr>
+          <p:nvPr/>
+        </p:nvPicPr>
+        <p:blipFill>
+          <a:blip r:embed="rId3"/>
+          <a:stretch>
+            <a:fillRect/>
+          </a:stretch>
+        </p:blipFill>
+        <p:spPr>
+          <a:xfrm>
+            <a:off x="499495" y="2011364"/>
+            <a:ext cx="8134350" cy="2190750"/>
+          </a:xfrm>
+          <a:prstGeom prst="rect">
+            <a:avLst/>
+          </a:prstGeom>
+        </p:spPr>
+      </p:pic>
+      <p:pic>
+        <p:nvPicPr>
+          <p:cNvPr id="6" name="图片 5">
+            <a:extLst>
+              <a:ext uri="{FF2B5EF4-FFF2-40B4-BE49-F238E27FC236}">
+                <a16:creationId xmlns:a16="http://schemas.microsoft.com/office/drawing/2014/main" id="{4E25D14D-09B4-4B4D-9D39-DFCDDDAD9AD6}"/>
+              </a:ext>
+            </a:extLst>
+          </p:cNvPr>
+          <p:cNvPicPr>
+            <a:picLocks noChangeAspect="1"/>
+          </p:cNvPicPr>
+          <p:nvPr/>
+        </p:nvPicPr>
+        <p:blipFill>
+          <a:blip r:embed="rId4"/>
+          <a:stretch>
+            <a:fillRect/>
+          </a:stretch>
+        </p:blipFill>
+        <p:spPr>
+          <a:xfrm>
+            <a:off x="701122" y="3165712"/>
+            <a:ext cx="10153650" cy="3390900"/>
+          </a:xfrm>
+          <a:prstGeom prst="rect">
+            <a:avLst/>
+          </a:prstGeom>
+        </p:spPr>
+      </p:pic>
+      <p:pic>
+        <p:nvPicPr>
+          <p:cNvPr id="10" name="图片 9">
+            <a:extLst>
+              <a:ext uri="{FF2B5EF4-FFF2-40B4-BE49-F238E27FC236}">
+                <a16:creationId xmlns:a16="http://schemas.microsoft.com/office/drawing/2014/main" id="{4FFDC71A-B05F-43E0-BBD4-CB29225AB6B4}"/>
+              </a:ext>
+            </a:extLst>
+          </p:cNvPr>
+          <p:cNvPicPr>
+            <a:picLocks noChangeAspect="1"/>
+          </p:cNvPicPr>
+          <p:nvPr/>
+        </p:nvPicPr>
+        <p:blipFill>
+          <a:blip r:embed="rId5"/>
+          <a:stretch>
+            <a:fillRect/>
+          </a:stretch>
+        </p:blipFill>
+        <p:spPr>
+          <a:xfrm>
+            <a:off x="1337228" y="2700549"/>
+            <a:ext cx="9906000" cy="2819400"/>
+          </a:xfrm>
+          <a:prstGeom prst="rect">
+            <a:avLst/>
+          </a:prstGeom>
+        </p:spPr>
+      </p:pic>
+    </p:spTree>
+    <p:extLst>
+      <p:ext uri="{BB962C8B-B14F-4D97-AF65-F5344CB8AC3E}">
+        <p14:creationId xmlns:p14="http://schemas.microsoft.com/office/powerpoint/2010/main" val="1140479459"/>
+      </p:ext>
+    </p:extLst>
+  </p:cSld>
+  <p:clrMapOvr>
+    <a:masterClrMapping/>
+  </p:clrMapOvr>
+  <p:timing>
+    <p:tnLst>
+      <p:par>
+        <p:cTn id="1" dur="indefinite" restart="never" nodeType="tmRoot">
+          <p:childTnLst>
+            <p:seq concurrent="1" nextAc="seek">
+              <p:cTn id="2" dur="indefinite" nodeType="mainSeq">
+                <p:childTnLst>
+                  <p:par>
+                    <p:cTn id="3" fill="hold">
+                      <p:stCondLst>
+                        <p:cond delay="indefinite"/>
+                      </p:stCondLst>
+                      <p:childTnLst>
+                        <p:par>
+                          <p:cTn id="4" fill="hold">
+                            <p:stCondLst>
+                              <p:cond delay="0"/>
+                            </p:stCondLst>
+                            <p:childTnLst>
+                              <p:par>
+                                <p:cTn id="5" presetID="10" presetClass="entr" presetSubtype="0" fill="hold" nodeType="clickEffect">
+                                  <p:stCondLst>
+                                    <p:cond delay="0"/>
+                                  </p:stCondLst>
+                                  <p:childTnLst>
+                                    <p:set>
+                                      <p:cBhvr>
+                                        <p:cTn id="6" dur="1" fill="hold">
+                                          <p:stCondLst>
+                                            <p:cond delay="0"/>
+                                          </p:stCondLst>
+                                        </p:cTn>
+                                        <p:tgtEl>
+                                          <p:spTgt spid="6"/>
+                                        </p:tgtEl>
+                                        <p:attrNameLst>
+                                          <p:attrName>style.visibility</p:attrName>
+                                        </p:attrNameLst>
+                                      </p:cBhvr>
+                                      <p:to>
+                                        <p:strVal val="visible"/>
+                                      </p:to>
+                                    </p:set>
+                                    <p:animEffect transition="in" filter="fade">
+                                      <p:cBhvr>
+                                        <p:cTn id="7" dur="500"/>
+                                        <p:tgtEl>
+                                          <p:spTgt spid="6"/>
+                                        </p:tgtEl>
+                                      </p:cBhvr>
+                                    </p:animEffect>
+                                  </p:childTnLst>
+                                </p:cTn>
+                              </p:par>
+                            </p:childTnLst>
+                          </p:cTn>
+                        </p:par>
+                      </p:childTnLst>
+                    </p:cTn>
+                  </p:par>
+                  <p:par>
+                    <p:cTn id="8" fill="hold">
+                      <p:stCondLst>
+                        <p:cond delay="indefinite"/>
+                      </p:stCondLst>
+                      <p:childTnLst>
+                        <p:par>
+                          <p:cTn id="9" fill="hold">
+                            <p:stCondLst>
+                              <p:cond delay="0"/>
+                            </p:stCondLst>
+                            <p:childTnLst>
+                              <p:par>
+                                <p:cTn id="10" presetID="1" presetClass="entr" presetSubtype="0" fill="hold" nodeType="clickEffect">
+                                  <p:stCondLst>
+                                    <p:cond delay="0"/>
+                                  </p:stCondLst>
+                                  <p:childTnLst>
+                                    <p:set>
+                                      <p:cBhvr>
+                                        <p:cTn id="11" dur="1" fill="hold">
+                                          <p:stCondLst>
+                                            <p:cond delay="0"/>
+                                          </p:stCondLst>
+                                        </p:cTn>
+                                        <p:tgtEl>
+                                          <p:spTgt spid="10"/>
+                                        </p:tgtEl>
+                                        <p:attrNameLst>
+                                          <p:attrName>style.visibility</p:attrName>
+                                        </p:attrNameLst>
+                                      </p:cBhvr>
+                                      <p:to>
+                                        <p:strVal val="visible"/>
+                                      </p:to>
+                                    </p:set>
+                                  </p:childTnLst>
+                                </p:cTn>
+                              </p:par>
+                            </p:childTnLst>
+                          </p:cTn>
+                        </p:par>
+                      </p:childTnLst>
+                    </p:cTn>
+                  </p:par>
+                </p:childTnLst>
+              </p:cTn>
+              <p:prevCondLst>
+                <p:cond evt="onPrev" delay="0">
+                  <p:tgtEl>
+                    <p:sldTgt/>
+                  </p:tgtEl>
+                </p:cond>
+              </p:prevCondLst>
+              <p:nextCondLst>
+                <p:cond evt="onNext" delay="0">
+                  <p:tgtEl>
+                    <p:sldTgt/>
+                  </p:tgtEl>
+                </p:cond>
+              </p:nextCondLst>
+            </p:seq>
+          </p:childTnLst>
+        </p:cTn>
+      </p:par>
+    </p:tnLst>
+  </p:timing>
+</p:sld>
+</file>
+
 <file path=ppt/theme/theme1.xml><?xml version="1.0" encoding="utf-8"?>
 <a:theme xmlns:a="http://schemas.openxmlformats.org/drawingml/2006/main" name="Office 主题​​">
   <a:themeElements>
